--- a/INSIDE PROVIDER slides.pptx
+++ b/INSIDE PROVIDER slides.pptx
@@ -5,7 +5,7 @@
     <p:sldMasterId id="2147483659" r:id="rId1"/>
   </p:sldMasterIdLst>
   <p:notesMasterIdLst>
-    <p:notesMasterId r:id="rId12"/>
+    <p:notesMasterId r:id="rId15"/>
   </p:notesMasterIdLst>
   <p:sldIdLst>
     <p:sldId id="256" r:id="rId2"/>
@@ -16,25 +16,28 @@
     <p:sldId id="261" r:id="rId7"/>
     <p:sldId id="262" r:id="rId8"/>
     <p:sldId id="263" r:id="rId9"/>
-    <p:sldId id="264" r:id="rId10"/>
-    <p:sldId id="265" r:id="rId11"/>
+    <p:sldId id="266" r:id="rId10"/>
+    <p:sldId id="267" r:id="rId11"/>
+    <p:sldId id="264" r:id="rId12"/>
+    <p:sldId id="268" r:id="rId13"/>
+    <p:sldId id="265" r:id="rId14"/>
   </p:sldIdLst>
   <p:sldSz cx="9144000" cy="5143500" type="screen16x9"/>
   <p:notesSz cx="6858000" cy="9144000"/>
   <p:embeddedFontLst>
     <p:embeddedFont>
       <p:font typeface="Lato" panose="020F0502020204030203" pitchFamily="34" charset="0"/>
-      <p:regular r:id="rId13"/>
-      <p:bold r:id="rId14"/>
-      <p:italic r:id="rId15"/>
-      <p:boldItalic r:id="rId16"/>
+      <p:regular r:id="rId16"/>
+      <p:bold r:id="rId17"/>
+      <p:italic r:id="rId18"/>
+      <p:boldItalic r:id="rId19"/>
     </p:embeddedFont>
     <p:embeddedFont>
       <p:font typeface="Raleway" pitchFamily="2" charset="0"/>
-      <p:regular r:id="rId17"/>
-      <p:bold r:id="rId18"/>
-      <p:italic r:id="rId19"/>
-      <p:boldItalic r:id="rId20"/>
+      <p:regular r:id="rId20"/>
+      <p:bold r:id="rId21"/>
+      <p:italic r:id="rId22"/>
+      <p:boldItalic r:id="rId23"/>
     </p:embeddedFont>
   </p:embeddedFontLst>
   <p:defaultTextStyle>
@@ -283,6 +286,197 @@
     </p:ext>
   </p:extLst>
 </p:presentation>
+</file>
+
+<file path=ppt/changesInfos/changesInfo1.xml><?xml version="1.0" encoding="utf-8"?>
+<pc:chgInfo xmlns:a="http://schemas.openxmlformats.org/drawingml/2006/main" xmlns:r="http://schemas.openxmlformats.org/officeDocument/2006/relationships" xmlns:ac="http://schemas.microsoft.com/office/drawing/2013/main/command" xmlns:pc="http://schemas.microsoft.com/office/powerpoint/2013/main/command">
+  <pc:docChgLst>
+    <pc:chgData name="Willian Colombo" userId="bd01e062b1d6fde4" providerId="LiveId" clId="{E1E47A7B-FA6A-4DE9-AB79-AF6CB76ABD55}"/>
+    <pc:docChg chg="custSel addSld modSld sldOrd">
+      <pc:chgData name="Willian Colombo" userId="bd01e062b1d6fde4" providerId="LiveId" clId="{E1E47A7B-FA6A-4DE9-AB79-AF6CB76ABD55}" dt="2022-06-27T15:50:36.897" v="148" actId="1076"/>
+      <pc:docMkLst>
+        <pc:docMk/>
+      </pc:docMkLst>
+      <pc:sldChg chg="modSp mod">
+        <pc:chgData name="Willian Colombo" userId="bd01e062b1d6fde4" providerId="LiveId" clId="{E1E47A7B-FA6A-4DE9-AB79-AF6CB76ABD55}" dt="2022-06-27T15:41:26.885" v="37" actId="27636"/>
+        <pc:sldMkLst>
+          <pc:docMk/>
+          <pc:sldMk cId="0" sldId="257"/>
+        </pc:sldMkLst>
+        <pc:spChg chg="mod">
+          <ac:chgData name="Willian Colombo" userId="bd01e062b1d6fde4" providerId="LiveId" clId="{E1E47A7B-FA6A-4DE9-AB79-AF6CB76ABD55}" dt="2022-06-27T15:41:26.885" v="37" actId="27636"/>
+          <ac:spMkLst>
+            <pc:docMk/>
+            <pc:sldMk cId="0" sldId="257"/>
+            <ac:spMk id="92" creationId="{00000000-0000-0000-0000-000000000000}"/>
+          </ac:spMkLst>
+        </pc:spChg>
+      </pc:sldChg>
+      <pc:sldChg chg="modSp mod">
+        <pc:chgData name="Willian Colombo" userId="bd01e062b1d6fde4" providerId="LiveId" clId="{E1E47A7B-FA6A-4DE9-AB79-AF6CB76ABD55}" dt="2022-06-27T15:31:53.205" v="9" actId="20577"/>
+        <pc:sldMkLst>
+          <pc:docMk/>
+          <pc:sldMk cId="0" sldId="260"/>
+        </pc:sldMkLst>
+        <pc:spChg chg="mod">
+          <ac:chgData name="Willian Colombo" userId="bd01e062b1d6fde4" providerId="LiveId" clId="{E1E47A7B-FA6A-4DE9-AB79-AF6CB76ABD55}" dt="2022-06-27T15:31:53.205" v="9" actId="20577"/>
+          <ac:spMkLst>
+            <pc:docMk/>
+            <pc:sldMk cId="0" sldId="260"/>
+            <ac:spMk id="107" creationId="{00000000-0000-0000-0000-000000000000}"/>
+          </ac:spMkLst>
+        </pc:spChg>
+      </pc:sldChg>
+      <pc:sldChg chg="modSp mod">
+        <pc:chgData name="Willian Colombo" userId="bd01e062b1d6fde4" providerId="LiveId" clId="{E1E47A7B-FA6A-4DE9-AB79-AF6CB76ABD55}" dt="2022-06-27T15:31:33.133" v="5" actId="114"/>
+        <pc:sldMkLst>
+          <pc:docMk/>
+          <pc:sldMk cId="0" sldId="262"/>
+        </pc:sldMkLst>
+        <pc:spChg chg="mod">
+          <ac:chgData name="Willian Colombo" userId="bd01e062b1d6fde4" providerId="LiveId" clId="{E1E47A7B-FA6A-4DE9-AB79-AF6CB76ABD55}" dt="2022-06-27T15:31:33.133" v="5" actId="114"/>
+          <ac:spMkLst>
+            <pc:docMk/>
+            <pc:sldMk cId="0" sldId="262"/>
+            <ac:spMk id="118" creationId="{00000000-0000-0000-0000-000000000000}"/>
+          </ac:spMkLst>
+        </pc:spChg>
+      </pc:sldChg>
+      <pc:sldChg chg="modSp mod ord">
+        <pc:chgData name="Willian Colombo" userId="bd01e062b1d6fde4" providerId="LiveId" clId="{E1E47A7B-FA6A-4DE9-AB79-AF6CB76ABD55}" dt="2022-06-27T15:47:37.617" v="119" actId="20577"/>
+        <pc:sldMkLst>
+          <pc:docMk/>
+          <pc:sldMk cId="0" sldId="264"/>
+        </pc:sldMkLst>
+        <pc:spChg chg="mod">
+          <ac:chgData name="Willian Colombo" userId="bd01e062b1d6fde4" providerId="LiveId" clId="{E1E47A7B-FA6A-4DE9-AB79-AF6CB76ABD55}" dt="2022-06-27T15:47:37.617" v="119" actId="20577"/>
+          <ac:spMkLst>
+            <pc:docMk/>
+            <pc:sldMk cId="0" sldId="264"/>
+            <ac:spMk id="130" creationId="{00000000-0000-0000-0000-000000000000}"/>
+          </ac:spMkLst>
+        </pc:spChg>
+      </pc:sldChg>
+      <pc:sldChg chg="addSp delSp modSp new mod">
+        <pc:chgData name="Willian Colombo" userId="bd01e062b1d6fde4" providerId="LiveId" clId="{E1E47A7B-FA6A-4DE9-AB79-AF6CB76ABD55}" dt="2022-06-27T15:44:07.749" v="81" actId="1076"/>
+        <pc:sldMkLst>
+          <pc:docMk/>
+          <pc:sldMk cId="2403344233" sldId="266"/>
+        </pc:sldMkLst>
+        <pc:spChg chg="mod">
+          <ac:chgData name="Willian Colombo" userId="bd01e062b1d6fde4" providerId="LiveId" clId="{E1E47A7B-FA6A-4DE9-AB79-AF6CB76ABD55}" dt="2022-06-27T15:43:25.066" v="70" actId="1076"/>
+          <ac:spMkLst>
+            <pc:docMk/>
+            <pc:sldMk cId="2403344233" sldId="266"/>
+            <ac:spMk id="2" creationId="{E1545F55-1D12-AFAB-954A-7446427AE357}"/>
+          </ac:spMkLst>
+        </pc:spChg>
+        <pc:spChg chg="del">
+          <ac:chgData name="Willian Colombo" userId="bd01e062b1d6fde4" providerId="LiveId" clId="{E1E47A7B-FA6A-4DE9-AB79-AF6CB76ABD55}" dt="2022-06-27T15:41:30.146" v="38" actId="478"/>
+          <ac:spMkLst>
+            <pc:docMk/>
+            <pc:sldMk cId="2403344233" sldId="266"/>
+            <ac:spMk id="3" creationId="{CDEE2527-D4C1-21F7-A979-7CCC07D53372}"/>
+          </ac:spMkLst>
+        </pc:spChg>
+        <pc:picChg chg="add mod">
+          <ac:chgData name="Willian Colombo" userId="bd01e062b1d6fde4" providerId="LiveId" clId="{E1E47A7B-FA6A-4DE9-AB79-AF6CB76ABD55}" dt="2022-06-27T15:44:07.749" v="81" actId="1076"/>
+          <ac:picMkLst>
+            <pc:docMk/>
+            <pc:sldMk cId="2403344233" sldId="266"/>
+            <ac:picMk id="5" creationId="{039F9E1E-D307-53BF-F3EF-1544EAE63C43}"/>
+          </ac:picMkLst>
+        </pc:picChg>
+        <pc:picChg chg="add mod">
+          <ac:chgData name="Willian Colombo" userId="bd01e062b1d6fde4" providerId="LiveId" clId="{E1E47A7B-FA6A-4DE9-AB79-AF6CB76ABD55}" dt="2022-06-27T15:43:45.012" v="76" actId="1076"/>
+          <ac:picMkLst>
+            <pc:docMk/>
+            <pc:sldMk cId="2403344233" sldId="266"/>
+            <ac:picMk id="7" creationId="{E1B22375-DE91-35AD-5DFE-6B814F49D976}"/>
+          </ac:picMkLst>
+        </pc:picChg>
+      </pc:sldChg>
+      <pc:sldChg chg="addSp delSp modSp new mod">
+        <pc:chgData name="Willian Colombo" userId="bd01e062b1d6fde4" providerId="LiveId" clId="{E1E47A7B-FA6A-4DE9-AB79-AF6CB76ABD55}" dt="2022-06-27T15:47:04" v="113" actId="1076"/>
+        <pc:sldMkLst>
+          <pc:docMk/>
+          <pc:sldMk cId="52678344" sldId="267"/>
+        </pc:sldMkLst>
+        <pc:spChg chg="mod">
+          <ac:chgData name="Willian Colombo" userId="bd01e062b1d6fde4" providerId="LiveId" clId="{E1E47A7B-FA6A-4DE9-AB79-AF6CB76ABD55}" dt="2022-06-27T15:45:03.109" v="101" actId="1076"/>
+          <ac:spMkLst>
+            <pc:docMk/>
+            <pc:sldMk cId="52678344" sldId="267"/>
+            <ac:spMk id="2" creationId="{3E501E6B-B563-2B61-FA18-ACEDCA7A541B}"/>
+          </ac:spMkLst>
+        </pc:spChg>
+        <pc:spChg chg="del">
+          <ac:chgData name="Willian Colombo" userId="bd01e062b1d6fde4" providerId="LiveId" clId="{E1E47A7B-FA6A-4DE9-AB79-AF6CB76ABD55}" dt="2022-06-27T15:45:07.327" v="102" actId="478"/>
+          <ac:spMkLst>
+            <pc:docMk/>
+            <pc:sldMk cId="52678344" sldId="267"/>
+            <ac:spMk id="3" creationId="{FB178059-0ECC-A679-4FDB-B4F2367DF1AA}"/>
+          </ac:spMkLst>
+        </pc:spChg>
+        <pc:picChg chg="add mod">
+          <ac:chgData name="Willian Colombo" userId="bd01e062b1d6fde4" providerId="LiveId" clId="{E1E47A7B-FA6A-4DE9-AB79-AF6CB76ABD55}" dt="2022-06-27T15:47:04" v="113" actId="1076"/>
+          <ac:picMkLst>
+            <pc:docMk/>
+            <pc:sldMk cId="52678344" sldId="267"/>
+            <ac:picMk id="5" creationId="{DBCC29A5-596E-FF3B-9B5C-83D9A5A266D9}"/>
+          </ac:picMkLst>
+        </pc:picChg>
+        <pc:picChg chg="add mod">
+          <ac:chgData name="Willian Colombo" userId="bd01e062b1d6fde4" providerId="LiveId" clId="{E1E47A7B-FA6A-4DE9-AB79-AF6CB76ABD55}" dt="2022-06-27T15:46:56.544" v="111" actId="1076"/>
+          <ac:picMkLst>
+            <pc:docMk/>
+            <pc:sldMk cId="52678344" sldId="267"/>
+            <ac:picMk id="7" creationId="{430E1966-9BF8-F66E-AAE3-3B32148CFCF5}"/>
+          </ac:picMkLst>
+        </pc:picChg>
+      </pc:sldChg>
+      <pc:sldChg chg="addSp delSp modSp new mod">
+        <pc:chgData name="Willian Colombo" userId="bd01e062b1d6fde4" providerId="LiveId" clId="{E1E47A7B-FA6A-4DE9-AB79-AF6CB76ABD55}" dt="2022-06-27T15:50:36.897" v="148" actId="1076"/>
+        <pc:sldMkLst>
+          <pc:docMk/>
+          <pc:sldMk cId="836223786" sldId="268"/>
+        </pc:sldMkLst>
+        <pc:spChg chg="mod">
+          <ac:chgData name="Willian Colombo" userId="bd01e062b1d6fde4" providerId="LiveId" clId="{E1E47A7B-FA6A-4DE9-AB79-AF6CB76ABD55}" dt="2022-06-27T15:47:53.521" v="137" actId="1076"/>
+          <ac:spMkLst>
+            <pc:docMk/>
+            <pc:sldMk cId="836223786" sldId="268"/>
+            <ac:spMk id="2" creationId="{346F3C25-19D9-6708-2627-B6D7BC41F575}"/>
+          </ac:spMkLst>
+        </pc:spChg>
+        <pc:spChg chg="del">
+          <ac:chgData name="Willian Colombo" userId="bd01e062b1d6fde4" providerId="LiveId" clId="{E1E47A7B-FA6A-4DE9-AB79-AF6CB76ABD55}" dt="2022-06-27T15:47:56.057" v="138" actId="478"/>
+          <ac:spMkLst>
+            <pc:docMk/>
+            <pc:sldMk cId="836223786" sldId="268"/>
+            <ac:spMk id="3" creationId="{D1056C20-E78D-53D1-906A-0FB742560FAB}"/>
+          </ac:spMkLst>
+        </pc:spChg>
+        <pc:picChg chg="add mod">
+          <ac:chgData name="Willian Colombo" userId="bd01e062b1d6fde4" providerId="LiveId" clId="{E1E47A7B-FA6A-4DE9-AB79-AF6CB76ABD55}" dt="2022-06-27T15:50:06.645" v="142" actId="1076"/>
+          <ac:picMkLst>
+            <pc:docMk/>
+            <pc:sldMk cId="836223786" sldId="268"/>
+            <ac:picMk id="5" creationId="{1B60A4E9-FC48-E4B2-DA70-FFE83ECCB7B0}"/>
+          </ac:picMkLst>
+        </pc:picChg>
+        <pc:picChg chg="add mod">
+          <ac:chgData name="Willian Colombo" userId="bd01e062b1d6fde4" providerId="LiveId" clId="{E1E47A7B-FA6A-4DE9-AB79-AF6CB76ABD55}" dt="2022-06-27T15:50:36.897" v="148" actId="1076"/>
+          <ac:picMkLst>
+            <pc:docMk/>
+            <pc:sldMk cId="836223786" sldId="268"/>
+            <ac:picMk id="7" creationId="{1F2D1F3B-E917-85EC-E263-3CCA86864593}"/>
+          </ac:picMkLst>
+        </pc:picChg>
+      </pc:sldChg>
+    </pc:docChg>
+  </pc:docChgLst>
+</pc:chgInfo>
 </file>
 
 <file path=ppt/notesMasters/notesMaster1.xml><?xml version="1.0" encoding="utf-8"?>
@@ -963,7 +1157,7 @@
         </p:nvSpPr>
         <p:spPr>
           <a:xfrm>
-            <a:off x="381300" y="685800"/>
+            <a:off x="381000" y="685800"/>
             <a:ext cx="6096000" cy="3429000"/>
           </a:xfrm>
           <a:custGeom>
@@ -1275,7 +1469,7 @@
         </p:nvSpPr>
         <p:spPr>
           <a:xfrm>
-            <a:off x="381300" y="685800"/>
+            <a:off x="381000" y="685800"/>
             <a:ext cx="6096000" cy="3429000"/>
           </a:xfrm>
           <a:custGeom>
@@ -1483,7 +1677,7 @@
         </p:nvSpPr>
         <p:spPr>
           <a:xfrm>
-            <a:off x="381300" y="685800"/>
+            <a:off x="381000" y="685800"/>
             <a:ext cx="6096000" cy="3429000"/>
           </a:xfrm>
           <a:custGeom>
@@ -1691,7 +1885,7 @@
         </p:nvSpPr>
         <p:spPr>
           <a:xfrm>
-            <a:off x="381300" y="685800"/>
+            <a:off x="381000" y="685800"/>
             <a:ext cx="6096000" cy="3429000"/>
           </a:xfrm>
           <a:custGeom>
@@ -8262,6 +8456,379 @@
   <p:cSld>
     <p:spTree>
       <p:nvGrpSpPr>
+        <p:cNvPr id="1" name=""/>
+        <p:cNvGrpSpPr/>
+        <p:nvPr/>
+      </p:nvGrpSpPr>
+      <p:grpSpPr>
+        <a:xfrm>
+          <a:off x="0" y="0"/>
+          <a:ext cx="0" cy="0"/>
+          <a:chOff x="0" y="0"/>
+          <a:chExt cx="0" cy="0"/>
+        </a:xfrm>
+      </p:grpSpPr>
+      <p:sp>
+        <p:nvSpPr>
+          <p:cNvPr id="2" name="Título 1">
+            <a:extLst>
+              <a:ext uri="{FF2B5EF4-FFF2-40B4-BE49-F238E27FC236}">
+                <a16:creationId xmlns:a16="http://schemas.microsoft.com/office/drawing/2014/main" id="{3E501E6B-B563-2B61-FA18-ACEDCA7A541B}"/>
+              </a:ext>
+            </a:extLst>
+          </p:cNvPr>
+          <p:cNvSpPr>
+            <a:spLocks noGrp="1"/>
+          </p:cNvSpPr>
+          <p:nvPr>
+            <p:ph type="title"/>
+          </p:nvPr>
+        </p:nvSpPr>
+        <p:spPr>
+          <a:xfrm>
+            <a:off x="727650" y="597538"/>
+            <a:ext cx="7688700" cy="535200"/>
+          </a:xfrm>
+        </p:spPr>
+        <p:txBody>
+          <a:bodyPr>
+            <a:normAutofit fontScale="90000"/>
+          </a:bodyPr>
+          <a:lstStyle/>
+          <a:p>
+            <a:r>
+              <a:rPr lang="pt-BR" dirty="0"/>
+              <a:t>Relatório 2</a:t>
+            </a:r>
+          </a:p>
+        </p:txBody>
+      </p:sp>
+      <p:pic>
+        <p:nvPicPr>
+          <p:cNvPr id="5" name="Imagem 4">
+            <a:extLst>
+              <a:ext uri="{FF2B5EF4-FFF2-40B4-BE49-F238E27FC236}">
+                <a16:creationId xmlns:a16="http://schemas.microsoft.com/office/drawing/2014/main" id="{DBCC29A5-596E-FF3B-9B5C-83D9A5A266D9}"/>
+              </a:ext>
+            </a:extLst>
+          </p:cNvPr>
+          <p:cNvPicPr>
+            <a:picLocks noChangeAspect="1"/>
+          </p:cNvPicPr>
+          <p:nvPr/>
+        </p:nvPicPr>
+        <p:blipFill>
+          <a:blip r:embed="rId2"/>
+          <a:stretch>
+            <a:fillRect/>
+          </a:stretch>
+        </p:blipFill>
+        <p:spPr>
+          <a:xfrm>
+            <a:off x="1847706" y="3382536"/>
+            <a:ext cx="5516532" cy="1495680"/>
+          </a:xfrm>
+          <a:prstGeom prst="rect">
+            <a:avLst/>
+          </a:prstGeom>
+        </p:spPr>
+      </p:pic>
+      <p:pic>
+        <p:nvPicPr>
+          <p:cNvPr id="7" name="Imagem 6">
+            <a:extLst>
+              <a:ext uri="{FF2B5EF4-FFF2-40B4-BE49-F238E27FC236}">
+                <a16:creationId xmlns:a16="http://schemas.microsoft.com/office/drawing/2014/main" id="{430E1966-9BF8-F66E-AAE3-3B32148CFCF5}"/>
+              </a:ext>
+            </a:extLst>
+          </p:cNvPr>
+          <p:cNvPicPr>
+            <a:picLocks noChangeAspect="1"/>
+          </p:cNvPicPr>
+          <p:nvPr/>
+        </p:nvPicPr>
+        <p:blipFill>
+          <a:blip r:embed="rId3"/>
+          <a:stretch>
+            <a:fillRect/>
+          </a:stretch>
+        </p:blipFill>
+        <p:spPr>
+          <a:xfrm>
+            <a:off x="1847706" y="1132738"/>
+            <a:ext cx="5448587" cy="2166950"/>
+          </a:xfrm>
+          <a:prstGeom prst="rect">
+            <a:avLst/>
+          </a:prstGeom>
+        </p:spPr>
+      </p:pic>
+    </p:spTree>
+    <p:extLst>
+      <p:ext uri="{BB962C8B-B14F-4D97-AF65-F5344CB8AC3E}">
+        <p14:creationId xmlns:p14="http://schemas.microsoft.com/office/powerpoint/2010/main" val="52678344"/>
+      </p:ext>
+    </p:extLst>
+  </p:cSld>
+  <p:clrMapOvr>
+    <a:masterClrMapping/>
+  </p:clrMapOvr>
+</p:sld>
+</file>
+
+<file path=ppt/slides/slide11.xml><?xml version="1.0" encoding="utf-8"?>
+<p:sld xmlns:a="http://schemas.openxmlformats.org/drawingml/2006/main" xmlns:r="http://schemas.openxmlformats.org/officeDocument/2006/relationships" xmlns:p="http://schemas.openxmlformats.org/presentationml/2006/main">
+  <p:cSld>
+    <p:spTree>
+      <p:nvGrpSpPr>
+        <p:cNvPr id="1" name="Shape 129"/>
+        <p:cNvGrpSpPr/>
+        <p:nvPr/>
+      </p:nvGrpSpPr>
+      <p:grpSpPr>
+        <a:xfrm>
+          <a:off x="0" y="0"/>
+          <a:ext cx="0" cy="0"/>
+          <a:chOff x="0" y="0"/>
+          <a:chExt cx="0" cy="0"/>
+        </a:xfrm>
+      </p:grpSpPr>
+      <p:sp>
+        <p:nvSpPr>
+          <p:cNvPr id="130" name="Google Shape;130;p21"/>
+          <p:cNvSpPr txBox="1">
+            <a:spLocks noGrp="1"/>
+          </p:cNvSpPr>
+          <p:nvPr>
+            <p:ph type="title"/>
+          </p:nvPr>
+        </p:nvSpPr>
+        <p:spPr>
+          <a:xfrm>
+            <a:off x="727647" y="622456"/>
+            <a:ext cx="7688700" cy="535200"/>
+          </a:xfrm>
+          <a:prstGeom prst="rect">
+            <a:avLst/>
+          </a:prstGeom>
+        </p:spPr>
+        <p:txBody>
+          <a:bodyPr spcFirstLastPara="1" wrap="square" lIns="91425" tIns="91425" rIns="91425" bIns="91425" anchor="t" anchorCtr="0">
+            <a:normAutofit fontScale="90000"/>
+          </a:bodyPr>
+          <a:lstStyle/>
+          <a:p>
+            <a:pPr marL="0" lvl="0" indent="0" rtl="0">
+              <a:spcBef>
+                <a:spcPts val="0"/>
+              </a:spcBef>
+              <a:spcAft>
+                <a:spcPts val="0"/>
+              </a:spcAft>
+              <a:buNone/>
+            </a:pPr>
+            <a:r>
+              <a:rPr lang="pt-BR" dirty="0"/>
+              <a:t>Relatório 3</a:t>
+            </a:r>
+            <a:endParaRPr dirty="0"/>
+          </a:p>
+        </p:txBody>
+      </p:sp>
+      <p:pic>
+        <p:nvPicPr>
+          <p:cNvPr id="131" name="Google Shape;131;p21"/>
+          <p:cNvPicPr preferRelativeResize="0"/>
+          <p:nvPr/>
+        </p:nvPicPr>
+        <p:blipFill>
+          <a:blip r:embed="rId3">
+            <a:alphaModFix/>
+          </a:blip>
+          <a:stretch>
+            <a:fillRect/>
+          </a:stretch>
+        </p:blipFill>
+        <p:spPr>
+          <a:xfrm>
+            <a:off x="1824825" y="1396325"/>
+            <a:ext cx="5962650" cy="1885950"/>
+          </a:xfrm>
+          <a:prstGeom prst="rect">
+            <a:avLst/>
+          </a:prstGeom>
+          <a:noFill/>
+          <a:ln>
+            <a:noFill/>
+          </a:ln>
+        </p:spPr>
+      </p:pic>
+      <p:pic>
+        <p:nvPicPr>
+          <p:cNvPr id="132" name="Google Shape;132;p21"/>
+          <p:cNvPicPr preferRelativeResize="0"/>
+          <p:nvPr/>
+        </p:nvPicPr>
+        <p:blipFill>
+          <a:blip r:embed="rId4">
+            <a:alphaModFix/>
+          </a:blip>
+          <a:stretch>
+            <a:fillRect/>
+          </a:stretch>
+        </p:blipFill>
+        <p:spPr>
+          <a:xfrm>
+            <a:off x="2226450" y="3424300"/>
+            <a:ext cx="4691095" cy="1414400"/>
+          </a:xfrm>
+          <a:prstGeom prst="rect">
+            <a:avLst/>
+          </a:prstGeom>
+          <a:noFill/>
+          <a:ln>
+            <a:noFill/>
+          </a:ln>
+        </p:spPr>
+      </p:pic>
+    </p:spTree>
+  </p:cSld>
+  <p:clrMapOvr>
+    <a:masterClrMapping/>
+  </p:clrMapOvr>
+</p:sld>
+</file>
+
+<file path=ppt/slides/slide12.xml><?xml version="1.0" encoding="utf-8"?>
+<p:sld xmlns:a="http://schemas.openxmlformats.org/drawingml/2006/main" xmlns:r="http://schemas.openxmlformats.org/officeDocument/2006/relationships" xmlns:p="http://schemas.openxmlformats.org/presentationml/2006/main">
+  <p:cSld>
+    <p:spTree>
+      <p:nvGrpSpPr>
+        <p:cNvPr id="1" name=""/>
+        <p:cNvGrpSpPr/>
+        <p:nvPr/>
+      </p:nvGrpSpPr>
+      <p:grpSpPr>
+        <a:xfrm>
+          <a:off x="0" y="0"/>
+          <a:ext cx="0" cy="0"/>
+          <a:chOff x="0" y="0"/>
+          <a:chExt cx="0" cy="0"/>
+        </a:xfrm>
+      </p:grpSpPr>
+      <p:sp>
+        <p:nvSpPr>
+          <p:cNvPr id="2" name="Título 1">
+            <a:extLst>
+              <a:ext uri="{FF2B5EF4-FFF2-40B4-BE49-F238E27FC236}">
+                <a16:creationId xmlns:a16="http://schemas.microsoft.com/office/drawing/2014/main" id="{346F3C25-19D9-6708-2627-B6D7BC41F575}"/>
+              </a:ext>
+            </a:extLst>
+          </p:cNvPr>
+          <p:cNvSpPr>
+            <a:spLocks noGrp="1"/>
+          </p:cNvSpPr>
+          <p:nvPr>
+            <p:ph type="title"/>
+          </p:nvPr>
+        </p:nvSpPr>
+        <p:spPr>
+          <a:xfrm>
+            <a:off x="669976" y="535925"/>
+            <a:ext cx="7688700" cy="535200"/>
+          </a:xfrm>
+        </p:spPr>
+        <p:txBody>
+          <a:bodyPr>
+            <a:normAutofit fontScale="90000"/>
+          </a:bodyPr>
+          <a:lstStyle/>
+          <a:p>
+            <a:r>
+              <a:rPr lang="pt-BR" dirty="0"/>
+              <a:t>Relatório 4</a:t>
+            </a:r>
+          </a:p>
+        </p:txBody>
+      </p:sp>
+      <p:pic>
+        <p:nvPicPr>
+          <p:cNvPr id="5" name="Imagem 4">
+            <a:extLst>
+              <a:ext uri="{FF2B5EF4-FFF2-40B4-BE49-F238E27FC236}">
+                <a16:creationId xmlns:a16="http://schemas.microsoft.com/office/drawing/2014/main" id="{1B60A4E9-FC48-E4B2-DA70-FFE83ECCB7B0}"/>
+              </a:ext>
+            </a:extLst>
+          </p:cNvPr>
+          <p:cNvPicPr>
+            <a:picLocks noChangeAspect="1"/>
+          </p:cNvPicPr>
+          <p:nvPr/>
+        </p:nvPicPr>
+        <p:blipFill>
+          <a:blip r:embed="rId2"/>
+          <a:stretch>
+            <a:fillRect/>
+          </a:stretch>
+        </p:blipFill>
+        <p:spPr>
+          <a:xfrm>
+            <a:off x="1024486" y="1263803"/>
+            <a:ext cx="7095028" cy="2295194"/>
+          </a:xfrm>
+          <a:prstGeom prst="rect">
+            <a:avLst/>
+          </a:prstGeom>
+        </p:spPr>
+      </p:pic>
+      <p:pic>
+        <p:nvPicPr>
+          <p:cNvPr id="7" name="Imagem 6">
+            <a:extLst>
+              <a:ext uri="{FF2B5EF4-FFF2-40B4-BE49-F238E27FC236}">
+                <a16:creationId xmlns:a16="http://schemas.microsoft.com/office/drawing/2014/main" id="{1F2D1F3B-E917-85EC-E263-3CCA86864593}"/>
+              </a:ext>
+            </a:extLst>
+          </p:cNvPr>
+          <p:cNvPicPr>
+            <a:picLocks noChangeAspect="1"/>
+          </p:cNvPicPr>
+          <p:nvPr/>
+        </p:nvPicPr>
+        <p:blipFill>
+          <a:blip r:embed="rId3"/>
+          <a:stretch>
+            <a:fillRect/>
+          </a:stretch>
+        </p:blipFill>
+        <p:spPr>
+          <a:xfrm>
+            <a:off x="1024486" y="3677943"/>
+            <a:ext cx="5499361" cy="872239"/>
+          </a:xfrm>
+          <a:prstGeom prst="rect">
+            <a:avLst/>
+          </a:prstGeom>
+        </p:spPr>
+      </p:pic>
+    </p:spTree>
+    <p:extLst>
+      <p:ext uri="{BB962C8B-B14F-4D97-AF65-F5344CB8AC3E}">
+        <p14:creationId xmlns:p14="http://schemas.microsoft.com/office/powerpoint/2010/main" val="836223786"/>
+      </p:ext>
+    </p:extLst>
+  </p:cSld>
+  <p:clrMapOvr>
+    <a:masterClrMapping/>
+  </p:clrMapOvr>
+</p:sld>
+</file>
+
+<file path=ppt/slides/slide13.xml><?xml version="1.0" encoding="utf-8"?>
+<p:sld xmlns:a="http://schemas.openxmlformats.org/drawingml/2006/main" xmlns:r="http://schemas.openxmlformats.org/officeDocument/2006/relationships" xmlns:p="http://schemas.openxmlformats.org/presentationml/2006/main">
+  <p:cSld>
+    <p:spTree>
+      <p:nvGrpSpPr>
         <p:cNvPr id="1" name="Shape 136"/>
         <p:cNvGrpSpPr/>
         <p:nvPr/>
@@ -8416,7 +8983,7 @@
         </p:spPr>
         <p:txBody>
           <a:bodyPr spcFirstLastPara="1" wrap="square" lIns="91425" tIns="91425" rIns="91425" bIns="91425" anchor="t" anchorCtr="0">
-            <a:normAutofit fontScale="90000"/>
+            <a:normAutofit/>
           </a:bodyPr>
           <a:lstStyle/>
           <a:p>
@@ -8750,10 +9317,10 @@
               <a:buNone/>
             </a:pPr>
             <a:r>
-              <a:rPr lang="pt-BR"/>
+              <a:rPr lang="pt-BR" dirty="0"/>
               <a:t>SCRIPTS</a:t>
             </a:r>
-            <a:endParaRPr/>
+            <a:endParaRPr dirty="0"/>
           </a:p>
           <a:p>
             <a:pPr marL="0" lvl="0" indent="0" algn="ctr" rtl="0">
@@ -8765,7 +9332,7 @@
               </a:spcAft>
               <a:buNone/>
             </a:pPr>
-            <a:endParaRPr/>
+            <a:endParaRPr dirty="0"/>
           </a:p>
           <a:p>
             <a:pPr marL="457200" lvl="0" indent="-393700" algn="l" rtl="0">
@@ -8779,10 +9346,14 @@
               <a:buChar char="●"/>
             </a:pPr>
             <a:r>
-              <a:rPr lang="pt-BR"/>
-              <a:t>criação de base de dados a partir da ferramenta Visual Paradigm</a:t>
+              <a:rPr lang="pt-BR" dirty="0"/>
+              <a:t>Criação da base de dados a partir da ferramenta Visual </a:t>
             </a:r>
-            <a:endParaRPr/>
+            <a:r>
+              <a:rPr lang="pt-BR" dirty="0" err="1"/>
+              <a:t>Paradigm</a:t>
+            </a:r>
+            <a:endParaRPr dirty="0"/>
           </a:p>
           <a:p>
             <a:pPr marL="457200" lvl="0" indent="0" algn="l" rtl="0">
@@ -8794,7 +9365,7 @@
               </a:spcAft>
               <a:buNone/>
             </a:pPr>
-            <a:endParaRPr/>
+            <a:endParaRPr dirty="0"/>
           </a:p>
           <a:p>
             <a:pPr marL="0" lvl="0" indent="0" algn="ctr" rtl="0">
@@ -8806,7 +9377,7 @@
               </a:spcAft>
               <a:buNone/>
             </a:pPr>
-            <a:endParaRPr/>
+            <a:endParaRPr dirty="0"/>
           </a:p>
           <a:p>
             <a:pPr marL="0" lvl="0" indent="0" algn="ctr" rtl="0">
@@ -8818,7 +9389,7 @@
               </a:spcAft>
               <a:buNone/>
             </a:pPr>
-            <a:endParaRPr/>
+            <a:endParaRPr dirty="0"/>
           </a:p>
         </p:txBody>
       </p:sp>
@@ -8987,10 +9558,10 @@
               <a:buNone/>
             </a:pPr>
             <a:r>
-              <a:rPr lang="pt-BR" sz="2822"/>
+              <a:rPr lang="pt-BR" sz="2822" dirty="0"/>
               <a:t>SCRIPTS</a:t>
             </a:r>
-            <a:endParaRPr sz="2822"/>
+            <a:endParaRPr sz="2822" dirty="0"/>
           </a:p>
           <a:p>
             <a:pPr marL="0" lvl="0" indent="0" algn="ctr" rtl="0">
@@ -9002,7 +9573,7 @@
               </a:spcAft>
               <a:buNone/>
             </a:pPr>
-            <a:endParaRPr/>
+            <a:endParaRPr dirty="0"/>
           </a:p>
           <a:p>
             <a:pPr marL="0" lvl="0" indent="0" algn="l" rtl="0">
@@ -9014,7 +9585,7 @@
               </a:spcAft>
               <a:buNone/>
             </a:pPr>
-            <a:endParaRPr sz="2400"/>
+            <a:endParaRPr sz="2400" dirty="0"/>
           </a:p>
           <a:p>
             <a:pPr marL="0" lvl="0" indent="0" algn="l" rtl="0">
@@ -9026,7 +9597,7 @@
               </a:spcAft>
               <a:buNone/>
             </a:pPr>
-            <a:endParaRPr sz="2400"/>
+            <a:endParaRPr sz="2400" dirty="0"/>
           </a:p>
           <a:p>
             <a:pPr marL="0" lvl="0" indent="0" algn="l" rtl="0">
@@ -9039,10 +9610,18 @@
               <a:buNone/>
             </a:pPr>
             <a:r>
-              <a:rPr lang="pt-BR" sz="2622"/>
-              <a:t>criação de constraints:</a:t>
+              <a:rPr lang="pt-BR" sz="2622" dirty="0"/>
+              <a:t>Criação das </a:t>
             </a:r>
-            <a:endParaRPr sz="2622"/>
+            <a:r>
+              <a:rPr lang="pt-BR" sz="2622" i="1" dirty="0" err="1"/>
+              <a:t>constraints</a:t>
+            </a:r>
+            <a:r>
+              <a:rPr lang="pt-BR" sz="2622" dirty="0"/>
+              <a:t>:</a:t>
+            </a:r>
+            <a:endParaRPr sz="2622" dirty="0"/>
           </a:p>
           <a:p>
             <a:pPr marL="457200" lvl="0" indent="0" algn="l" rtl="0">
@@ -9054,7 +9633,7 @@
               </a:spcAft>
               <a:buNone/>
             </a:pPr>
-            <a:endParaRPr sz="2400"/>
+            <a:endParaRPr sz="2400" dirty="0"/>
           </a:p>
           <a:p>
             <a:pPr marL="457200" lvl="0" indent="0" algn="l" rtl="0">
@@ -9066,7 +9645,7 @@
               </a:spcAft>
               <a:buNone/>
             </a:pPr>
-            <a:endParaRPr sz="2400"/>
+            <a:endParaRPr sz="2400" dirty="0"/>
           </a:p>
         </p:txBody>
       </p:sp>
@@ -9270,7 +9849,7 @@
   <p:cSld>
     <p:spTree>
       <p:nvGrpSpPr>
-        <p:cNvPr id="1" name="Shape 129"/>
+        <p:cNvPr id="1" name=""/>
         <p:cNvGrpSpPr/>
         <p:nvPr/>
       </p:nvGrpSpPr>
@@ -9284,8 +9863,14 @@
       </p:grpSpPr>
       <p:sp>
         <p:nvSpPr>
-          <p:cNvPr id="130" name="Google Shape;130;p21"/>
-          <p:cNvSpPr txBox="1">
+          <p:cNvPr id="2" name="Título 1">
+            <a:extLst>
+              <a:ext uri="{FF2B5EF4-FFF2-40B4-BE49-F238E27FC236}">
+                <a16:creationId xmlns:a16="http://schemas.microsoft.com/office/drawing/2014/main" id="{E1545F55-1D12-AFAB-954A-7446427AE357}"/>
+              </a:ext>
+            </a:extLst>
+          </p:cNvPr>
+          <p:cNvSpPr>
             <a:spLocks noGrp="1"/>
           </p:cNvSpPr>
           <p:nvPr>
@@ -9294,93 +9879,89 @@
         </p:nvSpPr>
         <p:spPr>
           <a:xfrm>
-            <a:off x="727650" y="719100"/>
+            <a:off x="610504" y="612406"/>
             <a:ext cx="7688700" cy="535200"/>
           </a:xfrm>
-          <a:prstGeom prst="rect">
-            <a:avLst/>
-          </a:prstGeom>
         </p:spPr>
         <p:txBody>
-          <a:bodyPr spcFirstLastPara="1" wrap="square" lIns="91425" tIns="91425" rIns="91425" bIns="91425" anchor="t" anchorCtr="0">
+          <a:bodyPr>
             <a:normAutofit fontScale="90000"/>
           </a:bodyPr>
           <a:lstStyle/>
           <a:p>
-            <a:pPr marL="0" lvl="0" indent="0" algn="ctr" rtl="0">
-              <a:spcBef>
-                <a:spcPts val="0"/>
-              </a:spcBef>
-              <a:spcAft>
-                <a:spcPts val="0"/>
-              </a:spcAft>
-              <a:buNone/>
-            </a:pPr>
             <a:r>
-              <a:rPr lang="pt-BR"/>
-              <a:t>RELATÓRIO</a:t>
+              <a:rPr lang="pt-BR" dirty="0"/>
+              <a:t>Relatório 1</a:t>
             </a:r>
-            <a:endParaRPr/>
           </a:p>
         </p:txBody>
       </p:sp>
       <p:pic>
         <p:nvPicPr>
-          <p:cNvPr id="131" name="Google Shape;131;p21"/>
-          <p:cNvPicPr preferRelativeResize="0"/>
+          <p:cNvPr id="5" name="Imagem 4">
+            <a:extLst>
+              <a:ext uri="{FF2B5EF4-FFF2-40B4-BE49-F238E27FC236}">
+                <a16:creationId xmlns:a16="http://schemas.microsoft.com/office/drawing/2014/main" id="{039F9E1E-D307-53BF-F3EF-1544EAE63C43}"/>
+              </a:ext>
+            </a:extLst>
+          </p:cNvPr>
+          <p:cNvPicPr>
+            <a:picLocks noChangeAspect="1"/>
+          </p:cNvPicPr>
           <p:nvPr/>
         </p:nvPicPr>
         <p:blipFill>
-          <a:blip r:embed="rId3">
-            <a:alphaModFix/>
-          </a:blip>
+          <a:blip r:embed="rId2"/>
           <a:stretch>
             <a:fillRect/>
           </a:stretch>
         </p:blipFill>
         <p:spPr>
           <a:xfrm>
-            <a:off x="1824825" y="1396325"/>
-            <a:ext cx="5962650" cy="1885950"/>
+            <a:off x="2322689" y="1314426"/>
+            <a:ext cx="4498622" cy="1693359"/>
           </a:xfrm>
           <a:prstGeom prst="rect">
             <a:avLst/>
           </a:prstGeom>
-          <a:noFill/>
-          <a:ln>
-            <a:noFill/>
-          </a:ln>
         </p:spPr>
       </p:pic>
       <p:pic>
         <p:nvPicPr>
-          <p:cNvPr id="132" name="Google Shape;132;p21"/>
-          <p:cNvPicPr preferRelativeResize="0"/>
+          <p:cNvPr id="7" name="Imagem 6">
+            <a:extLst>
+              <a:ext uri="{FF2B5EF4-FFF2-40B4-BE49-F238E27FC236}">
+                <a16:creationId xmlns:a16="http://schemas.microsoft.com/office/drawing/2014/main" id="{E1B22375-DE91-35AD-5DFE-6B814F49D976}"/>
+              </a:ext>
+            </a:extLst>
+          </p:cNvPr>
+          <p:cNvPicPr>
+            <a:picLocks noChangeAspect="1"/>
+          </p:cNvPicPr>
           <p:nvPr/>
         </p:nvPicPr>
         <p:blipFill>
-          <a:blip r:embed="rId4">
-            <a:alphaModFix/>
-          </a:blip>
+          <a:blip r:embed="rId3"/>
           <a:stretch>
             <a:fillRect/>
           </a:stretch>
         </p:blipFill>
         <p:spPr>
           <a:xfrm>
-            <a:off x="2226450" y="3424300"/>
-            <a:ext cx="4691095" cy="1414400"/>
+            <a:off x="2399658" y="3007785"/>
+            <a:ext cx="4344684" cy="1722599"/>
           </a:xfrm>
           <a:prstGeom prst="rect">
             <a:avLst/>
           </a:prstGeom>
-          <a:noFill/>
-          <a:ln>
-            <a:noFill/>
-          </a:ln>
         </p:spPr>
       </p:pic>
     </p:spTree>
+    <p:extLst>
+      <p:ext uri="{BB962C8B-B14F-4D97-AF65-F5344CB8AC3E}">
+        <p14:creationId xmlns:p14="http://schemas.microsoft.com/office/powerpoint/2010/main" val="2403344233"/>
+      </p:ext>
+    </p:extLst>
   </p:cSld>
   <p:clrMapOvr>
     <a:masterClrMapping/>
